--- a/learning_notes/kg.pptx
+++ b/learning_notes/kg.pptx
@@ -5,7 +5,7 @@
     <p:sldMasterId id="2147483648" r:id="rId1"/>
   </p:sldMasterIdLst>
   <p:notesMasterIdLst>
-    <p:notesMasterId r:id="rId9"/>
+    <p:notesMasterId r:id="rId8"/>
   </p:notesMasterIdLst>
   <p:sldIdLst>
     <p:sldId id="256" r:id="rId2"/>
@@ -14,7 +14,6 @@
     <p:sldId id="259" r:id="rId5"/>
     <p:sldId id="260" r:id="rId6"/>
     <p:sldId id="261" r:id="rId7"/>
-    <p:sldId id="262" r:id="rId8"/>
   </p:sldIdLst>
   <p:sldSz cx="9144000" cy="6858000" type="screen4x3"/>
   <p:notesSz cx="6858000" cy="9144000"/>
@@ -4682,65 +4681,6 @@
             </a:r>
           </a:p>
           <a:p>
-            <a:endParaRPr lang="zh-CN" altLang="en-US" dirty="0"/>
-          </a:p>
-        </p:txBody>
-      </p:sp>
-    </p:spTree>
-  </p:cSld>
-  <p:clrMapOvr>
-    <a:masterClrMapping/>
-  </p:clrMapOvr>
-</p:sld>
-</file>
-
-<file path=ppt/slides/slide7.xml><?xml version="1.0" encoding="utf-8"?>
-<p:sld xmlns:a="http://schemas.openxmlformats.org/drawingml/2006/main" xmlns:r="http://schemas.openxmlformats.org/officeDocument/2006/relationships" xmlns:p="http://schemas.openxmlformats.org/presentationml/2006/main">
-  <p:cSld>
-    <p:spTree>
-      <p:nvGrpSpPr>
-        <p:cNvPr id="1" name=""/>
-        <p:cNvGrpSpPr/>
-        <p:nvPr/>
-      </p:nvGrpSpPr>
-      <p:grpSpPr>
-        <a:xfrm>
-          <a:off x="0" y="0"/>
-          <a:ext cx="0" cy="0"/>
-          <a:chOff x="0" y="0"/>
-          <a:chExt cx="0" cy="0"/>
-        </a:xfrm>
-      </p:grpSpPr>
-      <p:sp>
-        <p:nvSpPr>
-          <p:cNvPr id="4" name="TextBox 3"/>
-          <p:cNvSpPr txBox="1"/>
-          <p:nvPr/>
-        </p:nvSpPr>
-        <p:spPr>
-          <a:xfrm>
-            <a:off x="1259632" y="1124744"/>
-            <a:ext cx="1535485" cy="369332"/>
-          </a:xfrm>
-          <a:prstGeom prst="rect">
-            <a:avLst/>
-          </a:prstGeom>
-          <a:noFill/>
-        </p:spPr>
-        <p:txBody>
-          <a:bodyPr wrap="none" rtlCol="0">
-            <a:spAutoFit/>
-          </a:bodyPr>
-          <a:lstStyle/>
-          <a:p>
-            <a:r>
-              <a:rPr lang="en-US" altLang="zh-CN" dirty="0" smtClean="0"/>
-              <a:t>transformer</a:t>
-            </a:r>
-            <a:r>
-              <a:rPr lang="zh-CN" altLang="en-US" dirty="0" smtClean="0"/>
-              <a:t>：</a:t>
-            </a:r>
             <a:endParaRPr lang="zh-CN" altLang="en-US" dirty="0"/>
           </a:p>
         </p:txBody>
